--- a/Daily Agendas/Day9.2_StringsAndThings2.pptx
+++ b/Daily Agendas/Day9.2_StringsAndThings2.pptx
@@ -3515,11 +3515,7 @@
             </a:r>
             <a:r>
               <a:rPr lang="en-US" smtClean="0"/>
-              <a:t>Oct </a:t>
-            </a:r>
-            <a:r>
-              <a:rPr lang="en-US" smtClean="0"/>
-              <a:t>29</a:t>
+              <a:t>Oct 29</a:t>
             </a:r>
             <a:endParaRPr lang="en-US" dirty="0"/>
           </a:p>
@@ -3538,7 +3534,7 @@
         <p:spPr/>
         <p:txBody>
           <a:bodyPr>
-            <a:normAutofit fontScale="92500" lnSpcReduction="20000"/>
+            <a:normAutofit fontScale="70000" lnSpcReduction="20000"/>
           </a:bodyPr>
           <a:lstStyle/>
           <a:p>
@@ -3552,7 +3548,37 @@
             <a:pPr lvl="1"/>
             <a:r>
               <a:rPr lang="en-CA" dirty="0" smtClean="0"/>
-              <a:t>B.5 Strings &amp; Things</a:t>
+              <a:t>Mid-Term Test</a:t>
+            </a:r>
+          </a:p>
+          <a:p>
+            <a:pPr lvl="2"/>
+            <a:r>
+              <a:rPr lang="en-CA" dirty="0" smtClean="0"/>
+              <a:t>Mon Nov 4: Multiple Choice / Short Answer (Topic A &amp; C)</a:t>
+            </a:r>
+          </a:p>
+          <a:p>
+            <a:pPr lvl="2"/>
+            <a:r>
+              <a:rPr lang="en-CA" dirty="0" smtClean="0"/>
+              <a:t>Tue Nov 5:  Programmin</a:t>
+            </a:r>
+            <a:r>
+              <a:rPr lang="en-CA" dirty="0" smtClean="0"/>
+              <a:t>g Questions (Topic B)</a:t>
+            </a:r>
+            <a:endParaRPr lang="en-CA" dirty="0" smtClean="0"/>
+          </a:p>
+          <a:p>
+            <a:pPr lvl="1"/>
+            <a:r>
+              <a:rPr lang="en-CA" dirty="0" smtClean="0"/>
+              <a:t>B.5 </a:t>
+            </a:r>
+            <a:r>
+              <a:rPr lang="en-CA" dirty="0" smtClean="0"/>
+              <a:t>Strings &amp; Things</a:t>
             </a:r>
           </a:p>
           <a:p>
@@ -3566,11 +3592,7 @@
             <a:pPr lvl="2"/>
             <a:r>
               <a:rPr lang="en-CA" dirty="0" smtClean="0"/>
-              <a:t>Student </a:t>
-            </a:r>
-            <a:r>
-              <a:rPr lang="en-CA" dirty="0" smtClean="0"/>
-              <a:t>Questions</a:t>
+              <a:t>Student Questions</a:t>
             </a:r>
           </a:p>
           <a:p>
@@ -3579,7 +3601,6 @@
               <a:rPr lang="en-CA" dirty="0" smtClean="0"/>
               <a:t>Complete TODAY</a:t>
             </a:r>
-            <a:endParaRPr lang="en-CA" dirty="0" smtClean="0"/>
           </a:p>
           <a:p>
             <a:pPr lvl="1"/>
@@ -3624,11 +3645,11 @@
             <a:pPr lvl="1"/>
             <a:r>
               <a:rPr lang="en-CA" sz="2400" dirty="0" smtClean="0"/>
-              <a:t>Tomorrow: </a:t>
+              <a:t>Tomorrow: New Programming </a:t>
             </a:r>
             <a:r>
               <a:rPr lang="en-CA" sz="2400" dirty="0" smtClean="0"/>
-              <a:t>New Programming Topic</a:t>
+              <a:t>Topic / Catch-Up Work</a:t>
             </a:r>
             <a:endParaRPr lang="en-US" sz="2400" dirty="0"/>
           </a:p>
@@ -3815,6 +3836,13 @@
   <p:clrMapOvr>
     <a:masterClrMapping/>
   </p:clrMapOvr>
+  <p:timing>
+    <p:tnLst>
+      <p:par>
+        <p:cTn id="1" dur="indefinite" restart="never" nodeType="tmRoot"/>
+      </p:par>
+    </p:tnLst>
+  </p:timing>
 </p:sld>
 </file>
 
